--- a/course content/2_prob_stat_intro/prob stat intro.pptx
+++ b/course content/2_prob_stat_intro/prob stat intro.pptx
@@ -3272,7 +3272,7 @@
         <p:spPr>
           <a:xfrm>
             <a:off x="311760" y="744480"/>
-            <a:ext cx="8518680" cy="2050920"/>
+            <a:ext cx="8518320" cy="2050560"/>
           </a:xfrm>
           <a:prstGeom prst="rect">
             <a:avLst/>
@@ -3326,7 +3326,7 @@
         <p:spPr>
           <a:xfrm>
             <a:off x="311760" y="2834280"/>
-            <a:ext cx="8518680" cy="790920"/>
+            <a:ext cx="8518320" cy="790560"/>
           </a:xfrm>
           <a:prstGeom prst="rect">
             <a:avLst/>
@@ -3410,7 +3410,7 @@
         <p:spPr>
           <a:xfrm>
             <a:off x="311760" y="444960"/>
-            <a:ext cx="8518680" cy="570960"/>
+            <a:ext cx="8518320" cy="570600"/>
           </a:xfrm>
           <a:prstGeom prst="rect">
             <a:avLst/>
@@ -3428,7 +3428,7 @@
         </p:style>
         <p:txBody>
           <a:bodyPr lIns="90000" rIns="90000" tIns="91440" bIns="91440">
-            <a:normAutofit fontScale="96000"/>
+            <a:normAutofit fontScale="94000"/>
           </a:bodyPr>
           <a:p>
             <a:pPr>
@@ -3464,7 +3464,7 @@
         <p:spPr>
           <a:xfrm>
             <a:off x="311760" y="1152360"/>
-            <a:ext cx="6180480" cy="3414600"/>
+            <a:ext cx="6180120" cy="3414240"/>
           </a:xfrm>
           <a:prstGeom prst="rect">
             <a:avLst/>
@@ -3655,13 +3655,13 @@
         </p:nvPicPr>
         <p:blipFill>
           <a:blip r:embed="rId1"/>
-          <a:srcRect l="22946" t="15496" r="17404" b="17400"/>
+          <a:srcRect l="22951" t="15501" r="17404" b="17404"/>
           <a:stretch/>
         </p:blipFill>
         <p:spPr>
           <a:xfrm>
             <a:off x="6583680" y="1829160"/>
-            <a:ext cx="2194200" cy="2468520"/>
+            <a:ext cx="2193840" cy="2468160"/>
           </a:xfrm>
           <a:prstGeom prst="rect">
             <a:avLst/>
